--- a/slides/IoC Block 1 - Day 1 - Introduction -  Why Program.pptx
+++ b/slides/IoC Block 1 - Day 1 - Introduction -  Why Program.pptx
@@ -6,20 +6,19 @@
     <p:sldMasterId id="2147483673" r:id="rId2"/>
   </p:sldMasterIdLst>
   <p:notesMasterIdLst>
-    <p:notesMasterId r:id="rId14"/>
+    <p:notesMasterId r:id="rId13"/>
   </p:notesMasterIdLst>
   <p:sldIdLst>
     <p:sldId id="547" r:id="rId3"/>
-    <p:sldId id="548" r:id="rId4"/>
-    <p:sldId id="520" r:id="rId5"/>
-    <p:sldId id="549" r:id="rId6"/>
-    <p:sldId id="545" r:id="rId7"/>
-    <p:sldId id="550" r:id="rId8"/>
-    <p:sldId id="551" r:id="rId9"/>
-    <p:sldId id="552" r:id="rId10"/>
-    <p:sldId id="553" r:id="rId11"/>
-    <p:sldId id="554" r:id="rId12"/>
-    <p:sldId id="546" r:id="rId13"/>
+    <p:sldId id="520" r:id="rId4"/>
+    <p:sldId id="549" r:id="rId5"/>
+    <p:sldId id="545" r:id="rId6"/>
+    <p:sldId id="550" r:id="rId7"/>
+    <p:sldId id="551" r:id="rId8"/>
+    <p:sldId id="552" r:id="rId9"/>
+    <p:sldId id="553" r:id="rId10"/>
+    <p:sldId id="554" r:id="rId11"/>
+    <p:sldId id="546" r:id="rId12"/>
   </p:sldIdLst>
   <p:sldSz cx="18288000" cy="10288588"/>
   <p:notesSz cx="6858000" cy="9144000"/>
@@ -276,7 +275,7 @@
               <a:pPr>
                 <a:defRPr/>
               </a:pPr>
-              <a:t>23/06/2019</a:t>
+              <a:t>30/06/2019</a:t>
             </a:fld>
             <a:endParaRPr lang="en-GB" dirty="0"/>
           </a:p>
@@ -616,15 +615,25 @@
       </p:grpSpPr>
       <p:sp>
         <p:nvSpPr>
-          <p:cNvPr id="2" name="Slide Image Placeholder 1"/>
-          <p:cNvSpPr>
-            <a:spLocks noGrp="1" noRot="1" noChangeAspect="1"/>
+          <p:cNvPr id="33794" name="Slide Image Placeholder 1"/>
+          <p:cNvSpPr>
+            <a:spLocks noGrp="1" noRot="1" noChangeAspect="1" noTextEdit="1"/>
           </p:cNvSpPr>
           <p:nvPr>
             <p:ph type="sldImg"/>
           </p:nvPr>
         </p:nvSpPr>
-        <p:spPr/>
+        <p:spPr bwMode="auto">
+          <a:noFill/>
+          <a:ln>
+            <a:solidFill>
+              <a:srgbClr val="000000"/>
+            </a:solidFill>
+            <a:miter lim="800000"/>
+            <a:headEnd/>
+            <a:tailEnd/>
+          </a:ln>
+        </p:spPr>
       </p:sp>
       <p:sp>
         <p:nvSpPr>
@@ -641,167 +650,60 @@
           <a:bodyPr/>
           <a:lstStyle/>
           <a:p>
-            <a:r>
-              <a:rPr lang="en-GB" b="1" dirty="0" smtClean="0"/>
-              <a:t>Fire Exits: </a:t>
-            </a:r>
-            <a:r>
-              <a:rPr lang="en-GB" dirty="0" smtClean="0"/>
-              <a:t>Side</a:t>
-            </a:r>
-            <a:r>
-              <a:rPr lang="en-GB" baseline="0" dirty="0" smtClean="0"/>
-              <a:t> door just outside the PC lab, also Clayden front door at other end of the building next to the toilets. Fire meeting point in the car park outside of the Knightley Building</a:t>
-            </a:r>
-          </a:p>
-          <a:p>
-            <a:r>
-              <a:rPr lang="en-GB" b="1" baseline="0" dirty="0" smtClean="0"/>
-              <a:t>Toilets:</a:t>
-            </a:r>
-            <a:r>
-              <a:rPr lang="en-GB" baseline="0" dirty="0" smtClean="0"/>
-              <a:t> Disabled access toilet at the bottom of the stairs, 3 unisex toilets located under the stairs</a:t>
-            </a:r>
-          </a:p>
-          <a:p>
-            <a:r>
-              <a:rPr lang="en-GB" b="1" baseline="0" dirty="0" smtClean="0"/>
-              <a:t>Water: </a:t>
-            </a:r>
-            <a:r>
-              <a:rPr lang="en-GB" baseline="0" dirty="0" smtClean="0"/>
-              <a:t>Available from the water fountain just outside of the PC lab</a:t>
-            </a:r>
-          </a:p>
-          <a:p>
-            <a:r>
-              <a:rPr lang="en-GB" b="1" baseline="0" dirty="0" smtClean="0"/>
-              <a:t>Tea &amp; Coffee breaks: </a:t>
-            </a:r>
-            <a:r>
-              <a:rPr lang="en-GB" baseline="0" dirty="0" smtClean="0"/>
-              <a:t>Tea &amp; coffee will be available at scheduled times as per timetable in the Clayden Meeting Room. No hot drinks in the PC Lab. Please leave used mugs in the meeting room so they can be cleaned for re-use later</a:t>
-            </a:r>
-          </a:p>
-          <a:p>
-            <a:r>
-              <a:rPr lang="en-GB" b="1" baseline="0" dirty="0" smtClean="0"/>
-              <a:t>Lunch:</a:t>
-            </a:r>
-            <a:r>
-              <a:rPr lang="en-GB" baseline="0" dirty="0" smtClean="0"/>
-              <a:t> Will be available in the Clayden Meeting room. Seating is very limited so please be mindful of others and utilise the outdoor space where possible. </a:t>
-            </a:r>
-          </a:p>
-          <a:p>
-            <a:r>
-              <a:rPr lang="en-GB" baseline="0" dirty="0" smtClean="0"/>
-              <a:t>You can use the picnic table outside of Knightley but please be aware people will be working in the offices so keep noise to a minimum particularly next to open windows</a:t>
-            </a:r>
-          </a:p>
-          <a:p>
-            <a:r>
-              <a:rPr lang="en-GB" baseline="0" dirty="0" smtClean="0"/>
-              <a:t>There is a kitchen in Clayden but this is a Staff Kitchen only. Please do not use.</a:t>
-            </a:r>
-          </a:p>
-          <a:p>
-            <a:r>
-              <a:rPr lang="en-GB" b="1" baseline="0" dirty="0" smtClean="0"/>
-              <a:t>Smoking: </a:t>
-            </a:r>
-            <a:r>
-              <a:rPr lang="en-GB" baseline="0" dirty="0" smtClean="0"/>
-              <a:t>No smoking in the building, please refrain from smoking right outside open doors or </a:t>
-            </a:r>
-            <a:r>
-              <a:rPr lang="en-GB" baseline="0" smtClean="0"/>
-              <a:t>windows. </a:t>
-            </a:r>
-            <a:endParaRPr lang="en-GB" dirty="0"/>
-          </a:p>
-        </p:txBody>
-      </p:sp>
-      <p:sp>
-        <p:nvSpPr>
-          <p:cNvPr id="4" name="Slide Number Placeholder 3"/>
-          <p:cNvSpPr>
-            <a:spLocks noGrp="1"/>
-          </p:cNvSpPr>
-          <p:nvPr>
-            <p:ph type="sldNum" sz="quarter" idx="10"/>
-          </p:nvPr>
-        </p:nvSpPr>
-        <p:spPr/>
-        <p:txBody>
-          <a:bodyPr/>
-          <a:lstStyle/>
-          <a:p>
-            <a:pPr marL="0" marR="0" lvl="0" indent="0" algn="r" defTabSz="914400" rtl="0" eaLnBrk="1" fontAlgn="auto" latinLnBrk="0" hangingPunct="1">
-              <a:lnSpc>
-                <a:spcPct val="100000"/>
-              </a:lnSpc>
+            <a:pPr defTabSz="1632936" eaLnBrk="1" fontAlgn="auto" hangingPunct="1">
               <a:spcBef>
                 <a:spcPts val="0"/>
               </a:spcBef>
               <a:spcAft>
                 <a:spcPts val="0"/>
               </a:spcAft>
-              <a:buClrTx/>
-              <a:buSzTx/>
-              <a:buFontTx/>
-              <a:buNone/>
-              <a:tabLst/>
               <a:defRPr/>
             </a:pPr>
-            <a:fld id="{FC8B93CF-5F00-4848-96B8-16C9F7C1B88A}" type="slidenum">
-              <a:rPr kumimoji="0" lang="en-GB" sz="1200" b="0" i="0" u="none" strike="noStrike" kern="1200" cap="none" spc="0" normalizeH="0" baseline="0" noProof="0" smtClean="0">
-                <a:ln>
-                  <a:noFill/>
-                </a:ln>
-                <a:solidFill>
-                  <a:prstClr val="black"/>
-                </a:solidFill>
-                <a:effectLst/>
-                <a:uLnTx/>
-                <a:uFillTx/>
-                <a:latin typeface="Calibri" panose="020F0502020204030204"/>
-                <a:ea typeface="+mn-ea"/>
-                <a:cs typeface="+mn-cs"/>
+            <a:endParaRPr lang="en-GB" sz="2143" dirty="0"/>
+          </a:p>
+        </p:txBody>
+      </p:sp>
+      <p:sp>
+        <p:nvSpPr>
+          <p:cNvPr id="12291" name="Slide Number Placeholder 3"/>
+          <p:cNvSpPr txBox="1">
+            <a:spLocks noGrp="1"/>
+          </p:cNvSpPr>
+          <p:nvPr/>
+        </p:nvSpPr>
+        <p:spPr bwMode="auto">
+          <a:xfrm>
+            <a:off x="3884613" y="8685213"/>
+            <a:ext cx="2971800" cy="457200"/>
+          </a:xfrm>
+          <a:prstGeom prst="rect">
+            <a:avLst/>
+          </a:prstGeom>
+          <a:noFill/>
+          <a:ln>
+            <a:miter lim="800000"/>
+            <a:headEnd/>
+            <a:tailEnd/>
+          </a:ln>
+        </p:spPr>
+        <p:txBody>
+          <a:bodyPr anchor="b"/>
+          <a:lstStyle/>
+          <a:p>
+            <a:pPr algn="r">
+              <a:defRPr/>
+            </a:pPr>
+            <a:fld id="{6B55B428-6A7A-4261-A39C-C43694DAD487}" type="slidenum">
+              <a:rPr lang="en-GB" sz="1200">
+                <a:latin typeface="+mn-lt"/>
               </a:rPr>
-              <a:pPr marL="0" marR="0" lvl="0" indent="0" algn="r" defTabSz="914400" rtl="0" eaLnBrk="1" fontAlgn="auto" latinLnBrk="0" hangingPunct="1">
-                <a:lnSpc>
-                  <a:spcPct val="100000"/>
-                </a:lnSpc>
-                <a:spcBef>
-                  <a:spcPts val="0"/>
-                </a:spcBef>
-                <a:spcAft>
-                  <a:spcPts val="0"/>
-                </a:spcAft>
-                <a:buClrTx/>
-                <a:buSzTx/>
-                <a:buFontTx/>
-                <a:buNone/>
-                <a:tabLst/>
+              <a:pPr algn="r">
                 <a:defRPr/>
               </a:pPr>
-              <a:t>2</a:t>
+              <a:t>3</a:t>
             </a:fld>
-            <a:endParaRPr kumimoji="0" lang="en-GB" sz="1200" b="0" i="0" u="none" strike="noStrike" kern="1200" cap="none" spc="0" normalizeH="0" baseline="0" noProof="0">
-              <a:ln>
-                <a:noFill/>
-              </a:ln>
-              <a:solidFill>
-                <a:prstClr val="black"/>
-              </a:solidFill>
-              <a:effectLst/>
-              <a:uLnTx/>
-              <a:uFillTx/>
-              <a:latin typeface="Calibri" panose="020F0502020204030204"/>
-              <a:ea typeface="+mn-ea"/>
-              <a:cs typeface="+mn-cs"/>
+            <a:endParaRPr lang="en-GB" sz="1200">
+              <a:latin typeface="+mn-lt"/>
             </a:endParaRPr>
           </a:p>
         </p:txBody>
@@ -809,7 +711,7 @@
     </p:spTree>
     <p:extLst>
       <p:ext uri="{BB962C8B-B14F-4D97-AF65-F5344CB8AC3E}">
-        <p14:creationId xmlns:p14="http://schemas.microsoft.com/office/powerpoint/2010/main" val="3088125327"/>
+        <p14:creationId xmlns:p14="http://schemas.microsoft.com/office/powerpoint/2010/main" val="1791183170"/>
       </p:ext>
     </p:extLst>
   </p:cSld>
@@ -882,10 +784,7 @@
               </a:spcAft>
               <a:defRPr/>
             </a:pPr>
-            <a:r>
-              <a:rPr lang="en-GB" sz="2143" dirty="0"/>
-              <a:t>Please do not reduce the font size as this is the recommended size for mobile phone users.</a:t>
-            </a:r>
+            <a:endParaRPr lang="en-GB" sz="2143" dirty="0"/>
           </a:p>
         </p:txBody>
       </p:sp>
@@ -935,11 +834,6 @@
         </p:txBody>
       </p:sp>
     </p:spTree>
-    <p:extLst>
-      <p:ext uri="{BB962C8B-B14F-4D97-AF65-F5344CB8AC3E}">
-        <p14:creationId xmlns:p14="http://schemas.microsoft.com/office/powerpoint/2010/main" val="1791183170"/>
-      </p:ext>
-    </p:extLst>
   </p:cSld>
   <p:clrMapOvr>
     <a:masterClrMapping/>
@@ -1011,9 +905,14 @@
               <a:defRPr/>
             </a:pPr>
             <a:r>
-              <a:rPr lang="en-GB" sz="2143" dirty="0"/>
-              <a:t>Please do not reduce the font size as this is the recommended size for mobile phone users.</a:t>
-            </a:r>
+              <a:rPr lang="en-GB" sz="2143" dirty="0" smtClean="0"/>
+              <a:t>Microchips</a:t>
+            </a:r>
+            <a:r>
+              <a:rPr lang="en-GB" sz="2143" baseline="0" dirty="0" smtClean="0"/>
+              <a:t> can now be had for pence, they’re just a few mm in size and use hardly any power.</a:t>
+            </a:r>
+            <a:endParaRPr lang="en-GB" sz="2143" dirty="0"/>
           </a:p>
         </p:txBody>
       </p:sp>
@@ -1063,6 +962,11 @@
         </p:txBody>
       </p:sp>
     </p:spTree>
+    <p:extLst>
+      <p:ext uri="{BB962C8B-B14F-4D97-AF65-F5344CB8AC3E}">
+        <p14:creationId xmlns:p14="http://schemas.microsoft.com/office/powerpoint/2010/main" val="384133796"/>
+      </p:ext>
+    </p:extLst>
   </p:cSld>
   <p:clrMapOvr>
     <a:masterClrMapping/>
@@ -1133,10 +1037,7 @@
               </a:spcAft>
               <a:defRPr/>
             </a:pPr>
-            <a:r>
-              <a:rPr lang="en-GB" sz="2143" dirty="0"/>
-              <a:t>Please do not reduce the font size as this is the recommended size for mobile phone users.</a:t>
-            </a:r>
+            <a:endParaRPr lang="en-GB" sz="2143" dirty="0"/>
           </a:p>
         </p:txBody>
       </p:sp>
@@ -1188,7 +1089,7 @@
     </p:spTree>
     <p:extLst>
       <p:ext uri="{BB962C8B-B14F-4D97-AF65-F5344CB8AC3E}">
-        <p14:creationId xmlns:p14="http://schemas.microsoft.com/office/powerpoint/2010/main" val="384133796"/>
+        <p14:creationId xmlns:p14="http://schemas.microsoft.com/office/powerpoint/2010/main" val="2185136816"/>
       </p:ext>
     </p:extLst>
   </p:cSld>
@@ -1261,10 +1162,7 @@
               </a:spcAft>
               <a:defRPr/>
             </a:pPr>
-            <a:r>
-              <a:rPr lang="en-GB" sz="2143" dirty="0"/>
-              <a:t>Please do not reduce the font size as this is the recommended size for mobile phone users.</a:t>
-            </a:r>
+            <a:endParaRPr lang="en-GB" sz="2143" dirty="0"/>
           </a:p>
         </p:txBody>
       </p:sp>
@@ -1316,7 +1214,7 @@
     </p:spTree>
     <p:extLst>
       <p:ext uri="{BB962C8B-B14F-4D97-AF65-F5344CB8AC3E}">
-        <p14:creationId xmlns:p14="http://schemas.microsoft.com/office/powerpoint/2010/main" val="2185136816"/>
+        <p14:creationId xmlns:p14="http://schemas.microsoft.com/office/powerpoint/2010/main" val="1752963225"/>
       </p:ext>
     </p:extLst>
   </p:cSld>
@@ -1390,9 +1288,25 @@
               <a:defRPr/>
             </a:pPr>
             <a:r>
-              <a:rPr lang="en-GB" sz="2143" dirty="0"/>
-              <a:t>Please do not reduce the font size as this is the recommended size for mobile phone users.</a:t>
-            </a:r>
+              <a:rPr lang="en-GB" sz="2143" dirty="0" smtClean="0"/>
+              <a:t>Blender, a 3D drawing program can be extended with Python scripts.</a:t>
+            </a:r>
+          </a:p>
+          <a:p>
+            <a:pPr defTabSz="1632936" eaLnBrk="1" fontAlgn="auto" hangingPunct="1">
+              <a:spcBef>
+                <a:spcPts val="0"/>
+              </a:spcBef>
+              <a:spcAft>
+                <a:spcPts val="0"/>
+              </a:spcAft>
+              <a:defRPr/>
+            </a:pPr>
+            <a:r>
+              <a:rPr lang="en-GB" sz="2143" dirty="0" smtClean="0"/>
+              <a:t> </a:t>
+            </a:r>
+            <a:endParaRPr lang="en-GB" sz="2143" dirty="0"/>
           </a:p>
         </p:txBody>
       </p:sp>
@@ -1444,7 +1358,7 @@
     </p:spTree>
     <p:extLst>
       <p:ext uri="{BB962C8B-B14F-4D97-AF65-F5344CB8AC3E}">
-        <p14:creationId xmlns:p14="http://schemas.microsoft.com/office/powerpoint/2010/main" val="1752963225"/>
+        <p14:creationId xmlns:p14="http://schemas.microsoft.com/office/powerpoint/2010/main" val="1359624680"/>
       </p:ext>
     </p:extLst>
   </p:cSld>
@@ -1517,25 +1431,6 @@
               </a:spcAft>
               <a:defRPr/>
             </a:pPr>
-            <a:r>
-              <a:rPr lang="en-GB" sz="2143" dirty="0" smtClean="0"/>
-              <a:t>Blender, a 3D drawing program can be extended with Python scripts.</a:t>
-            </a:r>
-          </a:p>
-          <a:p>
-            <a:pPr defTabSz="1632936" eaLnBrk="1" fontAlgn="auto" hangingPunct="1">
-              <a:spcBef>
-                <a:spcPts val="0"/>
-              </a:spcBef>
-              <a:spcAft>
-                <a:spcPts val="0"/>
-              </a:spcAft>
-              <a:defRPr/>
-            </a:pPr>
-            <a:r>
-              <a:rPr lang="en-GB" sz="2143" dirty="0" smtClean="0"/>
-              <a:t> </a:t>
-            </a:r>
             <a:endParaRPr lang="en-GB" sz="2143" dirty="0"/>
           </a:p>
         </p:txBody>
@@ -1578,134 +1473,6 @@
                 <a:defRPr/>
               </a:pPr>
               <a:t>9</a:t>
-            </a:fld>
-            <a:endParaRPr lang="en-GB" sz="1200">
-              <a:latin typeface="+mn-lt"/>
-            </a:endParaRPr>
-          </a:p>
-        </p:txBody>
-      </p:sp>
-    </p:spTree>
-    <p:extLst>
-      <p:ext uri="{BB962C8B-B14F-4D97-AF65-F5344CB8AC3E}">
-        <p14:creationId xmlns:p14="http://schemas.microsoft.com/office/powerpoint/2010/main" val="1359624680"/>
-      </p:ext>
-    </p:extLst>
-  </p:cSld>
-  <p:clrMapOvr>
-    <a:masterClrMapping/>
-  </p:clrMapOvr>
-</p:notes>
-</file>
-
-<file path=ppt/notesSlides/notesSlide8.xml><?xml version="1.0" encoding="utf-8"?>
-<p:notes xmlns:a="http://schemas.openxmlformats.org/drawingml/2006/main" xmlns:r="http://schemas.openxmlformats.org/officeDocument/2006/relationships" xmlns:p="http://schemas.openxmlformats.org/presentationml/2006/main">
-  <p:cSld>
-    <p:spTree>
-      <p:nvGrpSpPr>
-        <p:cNvPr id="1" name=""/>
-        <p:cNvGrpSpPr/>
-        <p:nvPr/>
-      </p:nvGrpSpPr>
-      <p:grpSpPr>
-        <a:xfrm>
-          <a:off x="0" y="0"/>
-          <a:ext cx="0" cy="0"/>
-          <a:chOff x="0" y="0"/>
-          <a:chExt cx="0" cy="0"/>
-        </a:xfrm>
-      </p:grpSpPr>
-      <p:sp>
-        <p:nvSpPr>
-          <p:cNvPr id="33794" name="Slide Image Placeholder 1"/>
-          <p:cNvSpPr>
-            <a:spLocks noGrp="1" noRot="1" noChangeAspect="1" noTextEdit="1"/>
-          </p:cNvSpPr>
-          <p:nvPr>
-            <p:ph type="sldImg"/>
-          </p:nvPr>
-        </p:nvSpPr>
-        <p:spPr bwMode="auto">
-          <a:noFill/>
-          <a:ln>
-            <a:solidFill>
-              <a:srgbClr val="000000"/>
-            </a:solidFill>
-            <a:miter lim="800000"/>
-            <a:headEnd/>
-            <a:tailEnd/>
-          </a:ln>
-        </p:spPr>
-      </p:sp>
-      <p:sp>
-        <p:nvSpPr>
-          <p:cNvPr id="3" name="Notes Placeholder 2"/>
-          <p:cNvSpPr>
-            <a:spLocks noGrp="1"/>
-          </p:cNvSpPr>
-          <p:nvPr>
-            <p:ph type="body" idx="1"/>
-          </p:nvPr>
-        </p:nvSpPr>
-        <p:spPr/>
-        <p:txBody>
-          <a:bodyPr/>
-          <a:lstStyle/>
-          <a:p>
-            <a:pPr defTabSz="1632936" eaLnBrk="1" fontAlgn="auto" hangingPunct="1">
-              <a:spcBef>
-                <a:spcPts val="0"/>
-              </a:spcBef>
-              <a:spcAft>
-                <a:spcPts val="0"/>
-              </a:spcAft>
-              <a:defRPr/>
-            </a:pPr>
-            <a:r>
-              <a:rPr lang="en-GB" sz="2143" dirty="0"/>
-              <a:t>Please do not reduce the font size as this is the recommended size for mobile phone users.</a:t>
-            </a:r>
-          </a:p>
-        </p:txBody>
-      </p:sp>
-      <p:sp>
-        <p:nvSpPr>
-          <p:cNvPr id="12291" name="Slide Number Placeholder 3"/>
-          <p:cNvSpPr txBox="1">
-            <a:spLocks noGrp="1"/>
-          </p:cNvSpPr>
-          <p:nvPr/>
-        </p:nvSpPr>
-        <p:spPr bwMode="auto">
-          <a:xfrm>
-            <a:off x="3884613" y="8685213"/>
-            <a:ext cx="2971800" cy="457200"/>
-          </a:xfrm>
-          <a:prstGeom prst="rect">
-            <a:avLst/>
-          </a:prstGeom>
-          <a:noFill/>
-          <a:ln>
-            <a:miter lim="800000"/>
-            <a:headEnd/>
-            <a:tailEnd/>
-          </a:ln>
-        </p:spPr>
-        <p:txBody>
-          <a:bodyPr anchor="b"/>
-          <a:lstStyle/>
-          <a:p>
-            <a:pPr algn="r">
-              <a:defRPr/>
-            </a:pPr>
-            <a:fld id="{6B55B428-6A7A-4261-A39C-C43694DAD487}" type="slidenum">
-              <a:rPr lang="en-GB" sz="1200">
-                <a:latin typeface="+mn-lt"/>
-              </a:rPr>
-              <a:pPr algn="r">
-                <a:defRPr/>
-              </a:pPr>
-              <a:t>10</a:t>
             </a:fld>
             <a:endParaRPr lang="en-GB" sz="1200">
               <a:latin typeface="+mn-lt"/>
@@ -1973,7 +1740,7 @@
           <a:p>
             <a:fld id="{4206C0D1-14BB-4D4E-BCE7-3B786EDC1DDA}" type="datetimeFigureOut">
               <a:rPr lang="en-GB" smtClean="0"/>
-              <a:t>23/06/2019</a:t>
+              <a:t>30/06/2019</a:t>
             </a:fld>
             <a:endParaRPr lang="en-GB"/>
           </a:p>
@@ -2219,7 +1986,7 @@
           <a:p>
             <a:fld id="{4206C0D1-14BB-4D4E-BCE7-3B786EDC1DDA}" type="datetimeFigureOut">
               <a:rPr lang="en-GB" smtClean="0"/>
-              <a:t>23/06/2019</a:t>
+              <a:t>30/06/2019</a:t>
             </a:fld>
             <a:endParaRPr lang="en-GB"/>
           </a:p>
@@ -2451,7 +2218,7 @@
           <a:p>
             <a:fld id="{4206C0D1-14BB-4D4E-BCE7-3B786EDC1DDA}" type="datetimeFigureOut">
               <a:rPr lang="en-GB" smtClean="0"/>
-              <a:t>23/06/2019</a:t>
+              <a:t>30/06/2019</a:t>
             </a:fld>
             <a:endParaRPr lang="en-GB"/>
           </a:p>
@@ -2818,7 +2585,7 @@
           <a:p>
             <a:fld id="{4206C0D1-14BB-4D4E-BCE7-3B786EDC1DDA}" type="datetimeFigureOut">
               <a:rPr lang="en-GB" smtClean="0"/>
-              <a:t>23/06/2019</a:t>
+              <a:t>30/06/2019</a:t>
             </a:fld>
             <a:endParaRPr lang="en-GB"/>
           </a:p>
@@ -2936,7 +2703,7 @@
           <a:p>
             <a:fld id="{4206C0D1-14BB-4D4E-BCE7-3B786EDC1DDA}" type="datetimeFigureOut">
               <a:rPr lang="en-GB" smtClean="0"/>
-              <a:t>23/06/2019</a:t>
+              <a:t>30/06/2019</a:t>
             </a:fld>
             <a:endParaRPr lang="en-GB"/>
           </a:p>
@@ -3031,7 +2798,7 @@
           <a:p>
             <a:fld id="{4206C0D1-14BB-4D4E-BCE7-3B786EDC1DDA}" type="datetimeFigureOut">
               <a:rPr lang="en-GB" smtClean="0"/>
-              <a:t>23/06/2019</a:t>
+              <a:t>30/06/2019</a:t>
             </a:fld>
             <a:endParaRPr lang="en-GB"/>
           </a:p>
@@ -3308,7 +3075,7 @@
           <a:p>
             <a:fld id="{4206C0D1-14BB-4D4E-BCE7-3B786EDC1DDA}" type="datetimeFigureOut">
               <a:rPr lang="en-GB" smtClean="0"/>
-              <a:t>23/06/2019</a:t>
+              <a:t>30/06/2019</a:t>
             </a:fld>
             <a:endParaRPr lang="en-GB"/>
           </a:p>
@@ -3561,7 +3328,7 @@
           <a:p>
             <a:fld id="{4206C0D1-14BB-4D4E-BCE7-3B786EDC1DDA}" type="datetimeFigureOut">
               <a:rPr lang="en-GB" smtClean="0"/>
-              <a:t>23/06/2019</a:t>
+              <a:t>30/06/2019</a:t>
             </a:fld>
             <a:endParaRPr lang="en-GB"/>
           </a:p>
@@ -3731,7 +3498,7 @@
           <a:p>
             <a:fld id="{4206C0D1-14BB-4D4E-BCE7-3B786EDC1DDA}" type="datetimeFigureOut">
               <a:rPr lang="en-GB" smtClean="0"/>
-              <a:t>23/06/2019</a:t>
+              <a:t>30/06/2019</a:t>
             </a:fld>
             <a:endParaRPr lang="en-GB"/>
           </a:p>
@@ -3911,7 +3678,7 @@
           <a:p>
             <a:fld id="{4206C0D1-14BB-4D4E-BCE7-3B786EDC1DDA}" type="datetimeFigureOut">
               <a:rPr lang="en-GB" smtClean="0"/>
-              <a:t>23/06/2019</a:t>
+              <a:t>30/06/2019</a:t>
             </a:fld>
             <a:endParaRPr lang="en-GB"/>
           </a:p>
@@ -4787,7 +4554,7 @@
               <a:pPr>
                 <a:defRPr/>
               </a:pPr>
-              <a:t>23/06/2019</a:t>
+              <a:t>30/06/2019</a:t>
             </a:fld>
             <a:endParaRPr lang="en-GB" dirty="0"/>
           </a:p>
@@ -5252,7 +5019,7 @@
               <a:pPr>
                 <a:defRPr/>
               </a:pPr>
-              <a:t>23/06/2019</a:t>
+              <a:t>30/06/2019</a:t>
             </a:fld>
             <a:endParaRPr lang="en-GB" dirty="0"/>
           </a:p>
@@ -5601,7 +5368,7 @@
           <a:p>
             <a:fld id="{4206C0D1-14BB-4D4E-BCE7-3B786EDC1DDA}" type="datetimeFigureOut">
               <a:rPr lang="en-GB" smtClean="0"/>
-              <a:t>23/06/2019</a:t>
+              <a:t>30/06/2019</a:t>
             </a:fld>
             <a:endParaRPr lang="en-GB"/>
           </a:p>
@@ -6359,7 +6126,7 @@
           <a:p>
             <a:fld id="{4206C0D1-14BB-4D4E-BCE7-3B786EDC1DDA}" type="datetimeFigureOut">
               <a:rPr lang="en-GB" smtClean="0"/>
-              <a:t>23/06/2019</a:t>
+              <a:t>30/06/2019</a:t>
             </a:fld>
             <a:endParaRPr lang="en-GB"/>
           </a:p>
@@ -6977,170 +6744,6 @@
           <a:chExt cx="0" cy="0"/>
         </a:xfrm>
       </p:grpSpPr>
-      <p:sp>
-        <p:nvSpPr>
-          <p:cNvPr id="2" name="Title 1"/>
-          <p:cNvSpPr>
-            <a:spLocks noGrp="1"/>
-          </p:cNvSpPr>
-          <p:nvPr>
-            <p:ph type="title" idx="4294967295"/>
-          </p:nvPr>
-        </p:nvSpPr>
-        <p:spPr>
-          <a:xfrm>
-            <a:off x="914400" y="228600"/>
-            <a:ext cx="16438563" cy="1387475"/>
-          </a:xfrm>
-        </p:spPr>
-        <p:txBody>
-          <a:bodyPr/>
-          <a:lstStyle/>
-          <a:p>
-            <a:pPr defTabSz="1371783" eaLnBrk="1" fontAlgn="auto" hangingPunct="1">
-              <a:spcAft>
-                <a:spcPts val="0"/>
-              </a:spcAft>
-              <a:defRPr/>
-            </a:pPr>
-            <a:r>
-              <a:rPr lang="en-US" dirty="0" smtClean="0"/>
-              <a:t>After this course</a:t>
-            </a:r>
-            <a:endParaRPr lang="en-US" dirty="0"/>
-          </a:p>
-        </p:txBody>
-      </p:sp>
-      <p:sp>
-        <p:nvSpPr>
-          <p:cNvPr id="32771" name="Content Placeholder 4"/>
-          <p:cNvSpPr>
-            <a:spLocks noGrp="1"/>
-          </p:cNvSpPr>
-          <p:nvPr>
-            <p:ph idx="4294967295"/>
-          </p:nvPr>
-        </p:nvSpPr>
-        <p:spPr>
-          <a:xfrm>
-            <a:off x="940565" y="1616075"/>
-            <a:ext cx="16438563" cy="8280747"/>
-          </a:xfrm>
-        </p:spPr>
-        <p:txBody>
-          <a:bodyPr/>
-          <a:lstStyle/>
-          <a:p>
-            <a:pPr marL="0" indent="0" eaLnBrk="1" hangingPunct="1">
-              <a:buClr>
-                <a:srgbClr val="C00000"/>
-              </a:buClr>
-              <a:buFont typeface="Wingdings" pitchFamily="2" charset="2"/>
-              <a:buNone/>
-            </a:pPr>
-            <a:r>
-              <a:rPr lang="en-GB" sz="6000" b="0" dirty="0" smtClean="0"/>
-              <a:t>Working with research and experiment data</a:t>
-            </a:r>
-          </a:p>
-          <a:p>
-            <a:pPr marL="0" indent="0" eaLnBrk="1" hangingPunct="1">
-              <a:buClr>
-                <a:srgbClr val="C00000"/>
-              </a:buClr>
-              <a:buFont typeface="Wingdings" pitchFamily="2" charset="2"/>
-              <a:buNone/>
-            </a:pPr>
-            <a:r>
-              <a:rPr lang="en-GB" sz="6000" b="0" dirty="0" smtClean="0"/>
-              <a:t>Automating tasks</a:t>
-            </a:r>
-          </a:p>
-          <a:p>
-            <a:pPr marL="0" indent="0" eaLnBrk="1" hangingPunct="1">
-              <a:buClr>
-                <a:srgbClr val="C00000"/>
-              </a:buClr>
-              <a:buFont typeface="Wingdings" pitchFamily="2" charset="2"/>
-              <a:buNone/>
-            </a:pPr>
-            <a:endParaRPr lang="en-GB" sz="6000" b="0" dirty="0"/>
-          </a:p>
-          <a:p>
-            <a:pPr marL="0" indent="0" eaLnBrk="1" hangingPunct="1">
-              <a:buClr>
-                <a:srgbClr val="C00000"/>
-              </a:buClr>
-              <a:buFont typeface="Wingdings" pitchFamily="2" charset="2"/>
-              <a:buNone/>
-            </a:pPr>
-            <a:r>
-              <a:rPr lang="en-GB" sz="6000" b="0" dirty="0" smtClean="0"/>
-              <a:t>Learn more Python – Data analysis, ML, Image processing, GIS…</a:t>
-            </a:r>
-          </a:p>
-          <a:p>
-            <a:pPr marL="0" indent="0" eaLnBrk="1" hangingPunct="1">
-              <a:buClr>
-                <a:srgbClr val="C00000"/>
-              </a:buClr>
-              <a:buFont typeface="Wingdings" pitchFamily="2" charset="2"/>
-              <a:buNone/>
-            </a:pPr>
-            <a:r>
-              <a:rPr lang="en-GB" sz="6000" b="0" dirty="0" smtClean="0"/>
-              <a:t>Learn other programming languages</a:t>
-            </a:r>
-          </a:p>
-          <a:p>
-            <a:pPr marL="0" indent="0" eaLnBrk="1" hangingPunct="1">
-              <a:buClr>
-                <a:srgbClr val="C00000"/>
-              </a:buClr>
-              <a:buFont typeface="Wingdings" pitchFamily="2" charset="2"/>
-              <a:buNone/>
-            </a:pPr>
-            <a:r>
-              <a:rPr lang="en-GB" sz="6000" b="0" dirty="0" smtClean="0"/>
-              <a:t>Teach it forward – help a friend learn Python</a:t>
-            </a:r>
-            <a:endParaRPr lang="en-GB" sz="6000" b="0" dirty="0"/>
-          </a:p>
-        </p:txBody>
-      </p:sp>
-    </p:spTree>
-    <p:extLst>
-      <p:ext uri="{BB962C8B-B14F-4D97-AF65-F5344CB8AC3E}">
-        <p14:creationId xmlns:p14="http://schemas.microsoft.com/office/powerpoint/2010/main" val="4084858026"/>
-      </p:ext>
-    </p:extLst>
-  </p:cSld>
-  <p:clrMapOvr>
-    <a:masterClrMapping/>
-  </p:clrMapOvr>
-  <p:transition spd="med">
-    <p:fade/>
-  </p:transition>
-</p:sld>
-</file>
-
-<file path=ppt/slides/slide11.xml><?xml version="1.0" encoding="utf-8"?>
-<p:sld xmlns:a="http://schemas.openxmlformats.org/drawingml/2006/main" xmlns:r="http://schemas.openxmlformats.org/officeDocument/2006/relationships" xmlns:p="http://schemas.openxmlformats.org/presentationml/2006/main">
-  <p:cSld>
-    <p:spTree>
-      <p:nvGrpSpPr>
-        <p:cNvPr id="1" name=""/>
-        <p:cNvGrpSpPr/>
-        <p:nvPr/>
-      </p:nvGrpSpPr>
-      <p:grpSpPr>
-        <a:xfrm>
-          <a:off x="0" y="0"/>
-          <a:ext cx="0" cy="0"/>
-          <a:chOff x="0" y="0"/>
-          <a:chExt cx="0" cy="0"/>
-        </a:xfrm>
-      </p:grpSpPr>
       <p:pic>
         <p:nvPicPr>
           <p:cNvPr id="11265" name="Picture 4" descr="2015 CAMS 055 Corporate PowerPoint widescreen3.jpg"/>
@@ -7242,361 +6845,6 @@
           <a:chExt cx="0" cy="0"/>
         </a:xfrm>
       </p:grpSpPr>
-      <p:sp>
-        <p:nvSpPr>
-          <p:cNvPr id="2" name="Title 1"/>
-          <p:cNvSpPr>
-            <a:spLocks noGrp="1"/>
-          </p:cNvSpPr>
-          <p:nvPr>
-            <p:ph type="title"/>
-          </p:nvPr>
-        </p:nvSpPr>
-        <p:spPr/>
-        <p:txBody>
-          <a:bodyPr/>
-          <a:lstStyle/>
-          <a:p>
-            <a:r>
-              <a:rPr lang="en-GB" dirty="0" smtClean="0"/>
-              <a:t>Housekeeping</a:t>
-            </a:r>
-            <a:endParaRPr lang="en-GB" dirty="0"/>
-          </a:p>
-        </p:txBody>
-      </p:sp>
-      <p:pic>
-        <p:nvPicPr>
-          <p:cNvPr id="7" name="Picture 6"/>
-          <p:cNvPicPr>
-            <a:picLocks noChangeAspect="1"/>
-          </p:cNvPicPr>
-          <p:nvPr/>
-        </p:nvPicPr>
-        <p:blipFill>
-          <a:blip r:embed="rId3" cstate="print">
-            <a:extLst>
-              <a:ext uri="{28A0092B-C50C-407E-A947-70E740481C1C}">
-                <a14:useLocalDpi xmlns:a14="http://schemas.microsoft.com/office/drawing/2010/main" val="0"/>
-              </a:ext>
-            </a:extLst>
-          </a:blip>
-          <a:stretch>
-            <a:fillRect/>
-          </a:stretch>
-        </p:blipFill>
-        <p:spPr>
-          <a:xfrm>
-            <a:off x="1877100" y="7424359"/>
-            <a:ext cx="2285793" cy="2285793"/>
-          </a:xfrm>
-          <a:prstGeom prst="rect">
-            <a:avLst/>
-          </a:prstGeom>
-        </p:spPr>
-      </p:pic>
-      <p:sp>
-        <p:nvSpPr>
-          <p:cNvPr id="4" name="TextBox 3"/>
-          <p:cNvSpPr txBox="1"/>
-          <p:nvPr/>
-        </p:nvSpPr>
-        <p:spPr>
-          <a:xfrm>
-            <a:off x="4351245" y="2844612"/>
-            <a:ext cx="5263740" cy="3785652"/>
-          </a:xfrm>
-          <a:prstGeom prst="rect">
-            <a:avLst/>
-          </a:prstGeom>
-          <a:noFill/>
-        </p:spPr>
-        <p:txBody>
-          <a:bodyPr wrap="square" rtlCol="0">
-            <a:spAutoFit/>
-          </a:bodyPr>
-          <a:lstStyle/>
-          <a:p>
-            <a:pPr marL="685800" indent="-685800" defTabSz="1371600" fontAlgn="auto">
-              <a:spcBef>
-                <a:spcPts val="0"/>
-              </a:spcBef>
-              <a:spcAft>
-                <a:spcPts val="0"/>
-              </a:spcAft>
-              <a:buClr>
-                <a:srgbClr val="0070C0"/>
-              </a:buClr>
-              <a:buFont typeface="Wingdings" panose="05000000000000000000" pitchFamily="2" charset="2"/>
-              <a:buChar char="ü"/>
-            </a:pPr>
-            <a:r>
-              <a:rPr lang="en-GB" sz="4800" dirty="0">
-                <a:solidFill>
-                  <a:prstClr val="black"/>
-                </a:solidFill>
-                <a:latin typeface="Calibri" panose="020F0502020204030204"/>
-                <a:cs typeface="+mn-cs"/>
-              </a:rPr>
-              <a:t>Fire Exits</a:t>
-            </a:r>
-          </a:p>
-          <a:p>
-            <a:pPr marL="685800" indent="-685800" defTabSz="1371600" fontAlgn="auto">
-              <a:spcBef>
-                <a:spcPts val="0"/>
-              </a:spcBef>
-              <a:spcAft>
-                <a:spcPts val="0"/>
-              </a:spcAft>
-              <a:buClr>
-                <a:srgbClr val="0070C0"/>
-              </a:buClr>
-              <a:buFont typeface="Wingdings" panose="05000000000000000000" pitchFamily="2" charset="2"/>
-              <a:buChar char="ü"/>
-            </a:pPr>
-            <a:r>
-              <a:rPr lang="en-GB" sz="4800" dirty="0">
-                <a:solidFill>
-                  <a:prstClr val="black"/>
-                </a:solidFill>
-                <a:latin typeface="Calibri" panose="020F0502020204030204"/>
-                <a:cs typeface="+mn-cs"/>
-              </a:rPr>
-              <a:t>Toilets</a:t>
-            </a:r>
-          </a:p>
-          <a:p>
-            <a:pPr marL="685800" indent="-685800" defTabSz="1371600" fontAlgn="auto">
-              <a:spcBef>
-                <a:spcPts val="0"/>
-              </a:spcBef>
-              <a:spcAft>
-                <a:spcPts val="0"/>
-              </a:spcAft>
-              <a:buClr>
-                <a:srgbClr val="0070C0"/>
-              </a:buClr>
-              <a:buFont typeface="Wingdings" panose="05000000000000000000" pitchFamily="2" charset="2"/>
-              <a:buChar char="ü"/>
-            </a:pPr>
-            <a:r>
-              <a:rPr lang="en-GB" sz="4800" dirty="0">
-                <a:solidFill>
-                  <a:prstClr val="black"/>
-                </a:solidFill>
-                <a:latin typeface="Calibri" panose="020F0502020204030204"/>
-                <a:cs typeface="+mn-cs"/>
-              </a:rPr>
-              <a:t>Refreshments</a:t>
-            </a:r>
-          </a:p>
-          <a:p>
-            <a:pPr marL="685800" indent="-685800" defTabSz="1371600" fontAlgn="auto">
-              <a:spcBef>
-                <a:spcPts val="0"/>
-              </a:spcBef>
-              <a:spcAft>
-                <a:spcPts val="0"/>
-              </a:spcAft>
-              <a:buClr>
-                <a:srgbClr val="0070C0"/>
-              </a:buClr>
-              <a:buFont typeface="Wingdings" panose="05000000000000000000" pitchFamily="2" charset="2"/>
-              <a:buChar char="ü"/>
-            </a:pPr>
-            <a:r>
-              <a:rPr lang="en-GB" sz="4800" dirty="0">
-                <a:solidFill>
-                  <a:prstClr val="black"/>
-                </a:solidFill>
-                <a:latin typeface="Calibri" panose="020F0502020204030204"/>
-                <a:cs typeface="+mn-cs"/>
-              </a:rPr>
-              <a:t>Smoking areas</a:t>
-            </a:r>
-          </a:p>
-          <a:p>
-            <a:pPr marL="428625" indent="-428625" defTabSz="1371600" fontAlgn="auto">
-              <a:spcBef>
-                <a:spcPts val="0"/>
-              </a:spcBef>
-              <a:spcAft>
-                <a:spcPts val="0"/>
-              </a:spcAft>
-              <a:buClr>
-                <a:srgbClr val="0070C0"/>
-              </a:buClr>
-              <a:buFont typeface="Arial" panose="020B0604020202020204" pitchFamily="34" charset="0"/>
-              <a:buChar char="•"/>
-            </a:pPr>
-            <a:endParaRPr lang="en-GB" sz="4800" dirty="0">
-              <a:solidFill>
-                <a:prstClr val="black"/>
-              </a:solidFill>
-              <a:latin typeface="Calibri" panose="020F0502020204030204"/>
-              <a:cs typeface="+mn-cs"/>
-            </a:endParaRPr>
-          </a:p>
-        </p:txBody>
-      </p:sp>
-      <p:pic>
-        <p:nvPicPr>
-          <p:cNvPr id="6" name="Picture 5"/>
-          <p:cNvPicPr>
-            <a:picLocks noChangeAspect="1"/>
-          </p:cNvPicPr>
-          <p:nvPr/>
-        </p:nvPicPr>
-        <p:blipFill>
-          <a:blip r:embed="rId4" cstate="print">
-            <a:extLst>
-              <a:ext uri="{28A0092B-C50C-407E-A947-70E740481C1C}">
-                <a14:useLocalDpi xmlns:a14="http://schemas.microsoft.com/office/drawing/2010/main" val="0"/>
-              </a:ext>
-            </a:extLst>
-          </a:blip>
-          <a:stretch>
-            <a:fillRect/>
-          </a:stretch>
-        </p:blipFill>
-        <p:spPr>
-          <a:xfrm>
-            <a:off x="5173738" y="8019228"/>
-            <a:ext cx="2187740" cy="1096058"/>
-          </a:xfrm>
-          <a:prstGeom prst="rect">
-            <a:avLst/>
-          </a:prstGeom>
-        </p:spPr>
-      </p:pic>
-      <p:pic>
-        <p:nvPicPr>
-          <p:cNvPr id="5" name="Picture 4"/>
-          <p:cNvPicPr>
-            <a:picLocks noChangeAspect="1"/>
-          </p:cNvPicPr>
-          <p:nvPr/>
-        </p:nvPicPr>
-        <p:blipFill>
-          <a:blip r:embed="rId5" cstate="print">
-            <a:extLst>
-              <a:ext uri="{28A0092B-C50C-407E-A947-70E740481C1C}">
-                <a14:useLocalDpi xmlns:a14="http://schemas.microsoft.com/office/drawing/2010/main" val="0"/>
-              </a:ext>
-            </a:extLst>
-          </a:blip>
-          <a:stretch>
-            <a:fillRect/>
-          </a:stretch>
-        </p:blipFill>
-        <p:spPr>
-          <a:xfrm>
-            <a:off x="8741521" y="7693792"/>
-            <a:ext cx="1746932" cy="1746932"/>
-          </a:xfrm>
-          <a:prstGeom prst="rect">
-            <a:avLst/>
-          </a:prstGeom>
-        </p:spPr>
-      </p:pic>
-      <p:pic>
-        <p:nvPicPr>
-          <p:cNvPr id="10" name="Picture 9"/>
-          <p:cNvPicPr>
-            <a:picLocks noChangeAspect="1"/>
-          </p:cNvPicPr>
-          <p:nvPr/>
-        </p:nvPicPr>
-        <p:blipFill>
-          <a:blip r:embed="rId6">
-            <a:extLst>
-              <a:ext uri="{28A0092B-C50C-407E-A947-70E740481C1C}">
-                <a14:useLocalDpi xmlns:a14="http://schemas.microsoft.com/office/drawing/2010/main" val="0"/>
-              </a:ext>
-            </a:extLst>
-          </a:blip>
-          <a:stretch>
-            <a:fillRect/>
-          </a:stretch>
-        </p:blipFill>
-        <p:spPr>
-          <a:xfrm>
-            <a:off x="12148458" y="548482"/>
-            <a:ext cx="5538561" cy="1846187"/>
-          </a:xfrm>
-          <a:prstGeom prst="rect">
-            <a:avLst/>
-          </a:prstGeom>
-        </p:spPr>
-      </p:pic>
-      <p:pic>
-        <p:nvPicPr>
-          <p:cNvPr id="12" name="Picture 11"/>
-          <p:cNvPicPr>
-            <a:picLocks noChangeAspect="1"/>
-          </p:cNvPicPr>
-          <p:nvPr/>
-        </p:nvPicPr>
-        <p:blipFill>
-          <a:blip r:embed="rId7" cstate="print">
-            <a:extLst>
-              <a:ext uri="{28A0092B-C50C-407E-A947-70E740481C1C}">
-                <a14:useLocalDpi xmlns:a14="http://schemas.microsoft.com/office/drawing/2010/main" val="0"/>
-              </a:ext>
-            </a:extLst>
-          </a:blip>
-          <a:stretch>
-            <a:fillRect/>
-          </a:stretch>
-        </p:blipFill>
-        <p:spPr>
-          <a:xfrm>
-            <a:off x="11868496" y="7693792"/>
-            <a:ext cx="1658390" cy="1658390"/>
-          </a:xfrm>
-          <a:prstGeom prst="rect">
-            <a:avLst/>
-          </a:prstGeom>
-        </p:spPr>
-      </p:pic>
-    </p:spTree>
-    <p:extLst>
-      <p:ext uri="{BB962C8B-B14F-4D97-AF65-F5344CB8AC3E}">
-        <p14:creationId xmlns:p14="http://schemas.microsoft.com/office/powerpoint/2010/main" val="3039336754"/>
-      </p:ext>
-    </p:extLst>
-  </p:cSld>
-  <p:clrMapOvr>
-    <a:masterClrMapping/>
-  </p:clrMapOvr>
-  <p:timing>
-    <p:tnLst>
-      <p:par>
-        <p:cTn id="1" dur="indefinite" restart="never" nodeType="tmRoot"/>
-      </p:par>
-    </p:tnLst>
-  </p:timing>
-</p:sld>
-</file>
-
-<file path=ppt/slides/slide3.xml><?xml version="1.0" encoding="utf-8"?>
-<p:sld xmlns:a="http://schemas.openxmlformats.org/drawingml/2006/main" xmlns:r="http://schemas.openxmlformats.org/officeDocument/2006/relationships" xmlns:p="http://schemas.openxmlformats.org/presentationml/2006/main">
-  <p:cSld>
-    <p:spTree>
-      <p:nvGrpSpPr>
-        <p:cNvPr id="1" name=""/>
-        <p:cNvGrpSpPr/>
-        <p:nvPr/>
-      </p:nvGrpSpPr>
-      <p:grpSpPr>
-        <a:xfrm>
-          <a:off x="0" y="0"/>
-          <a:ext cx="0" cy="0"/>
-          <a:chOff x="0" y="0"/>
-          <a:chExt cx="0" cy="0"/>
-        </a:xfrm>
-      </p:grpSpPr>
       <p:pic>
         <p:nvPicPr>
           <p:cNvPr id="11265" name="Picture 4" descr="2015 CAMS 055 Corporate PowerPoint widescreen3.jpg"/>
@@ -7786,6 +7034,217 @@
 </p:sld>
 </file>
 
+<file path=ppt/slides/slide3.xml><?xml version="1.0" encoding="utf-8"?>
+<p:sld xmlns:a="http://schemas.openxmlformats.org/drawingml/2006/main" xmlns:r="http://schemas.openxmlformats.org/officeDocument/2006/relationships" xmlns:p="http://schemas.openxmlformats.org/presentationml/2006/main">
+  <p:cSld>
+    <p:spTree>
+      <p:nvGrpSpPr>
+        <p:cNvPr id="1" name=""/>
+        <p:cNvGrpSpPr/>
+        <p:nvPr/>
+      </p:nvGrpSpPr>
+      <p:grpSpPr>
+        <a:xfrm>
+          <a:off x="0" y="0"/>
+          <a:ext cx="0" cy="0"/>
+          <a:chOff x="0" y="0"/>
+          <a:chExt cx="0" cy="0"/>
+        </a:xfrm>
+      </p:grpSpPr>
+      <p:sp>
+        <p:nvSpPr>
+          <p:cNvPr id="2" name="Title 1"/>
+          <p:cNvSpPr>
+            <a:spLocks noGrp="1"/>
+          </p:cNvSpPr>
+          <p:nvPr>
+            <p:ph type="title" idx="4294967295"/>
+          </p:nvPr>
+        </p:nvSpPr>
+        <p:spPr>
+          <a:xfrm>
+            <a:off x="914400" y="228600"/>
+            <a:ext cx="16438563" cy="1387475"/>
+          </a:xfrm>
+        </p:spPr>
+        <p:txBody>
+          <a:bodyPr/>
+          <a:lstStyle/>
+          <a:p>
+            <a:pPr defTabSz="1371783" eaLnBrk="1" fontAlgn="auto" hangingPunct="1">
+              <a:spcAft>
+                <a:spcPts val="0"/>
+              </a:spcAft>
+              <a:defRPr/>
+            </a:pPr>
+            <a:r>
+              <a:rPr lang="en-US" dirty="0" smtClean="0"/>
+              <a:t>Why program?</a:t>
+            </a:r>
+            <a:endParaRPr lang="en-US" dirty="0"/>
+          </a:p>
+        </p:txBody>
+      </p:sp>
+      <p:sp>
+        <p:nvSpPr>
+          <p:cNvPr id="32771" name="Content Placeholder 4"/>
+          <p:cNvSpPr>
+            <a:spLocks noGrp="1"/>
+          </p:cNvSpPr>
+          <p:nvPr>
+            <p:ph idx="4294967295"/>
+          </p:nvPr>
+        </p:nvSpPr>
+        <p:spPr>
+          <a:xfrm>
+            <a:off x="914400" y="2768600"/>
+            <a:ext cx="16438563" cy="6983413"/>
+          </a:xfrm>
+        </p:spPr>
+        <p:txBody>
+          <a:bodyPr/>
+          <a:lstStyle/>
+          <a:p>
+            <a:pPr marL="0" indent="0" eaLnBrk="1" hangingPunct="1">
+              <a:buClr>
+                <a:srgbClr val="C00000"/>
+              </a:buClr>
+            </a:pPr>
+            <a:r>
+              <a:rPr lang="en-GB" sz="5400" b="0" dirty="0" smtClean="0"/>
+              <a:t>Learn about -</a:t>
+            </a:r>
+          </a:p>
+          <a:p>
+            <a:pPr marL="0" indent="0" eaLnBrk="1" hangingPunct="1">
+              <a:buClr>
+                <a:srgbClr val="C00000"/>
+              </a:buClr>
+            </a:pPr>
+            <a:r>
+              <a:rPr lang="en-GB" sz="5400" b="0" dirty="0" smtClean="0"/>
+              <a:t>Algorithms</a:t>
+            </a:r>
+            <a:r>
+              <a:rPr lang="en-GB" sz="5400" b="0" dirty="0"/>
+              <a:t>, functions, lists, loops</a:t>
+            </a:r>
+            <a:r>
+              <a:rPr lang="en-GB" sz="5400" b="0" dirty="0" smtClean="0"/>
+              <a:t>, logic, </a:t>
+            </a:r>
+            <a:r>
+              <a:rPr lang="en-GB" sz="5400" b="0" dirty="0"/>
+              <a:t>reading and writing files, finding bugs, displaying results using graphs, etc. </a:t>
+            </a:r>
+            <a:endParaRPr lang="en-GB" sz="5400" b="0" dirty="0" smtClean="0"/>
+          </a:p>
+          <a:p>
+            <a:pPr marL="0" indent="0" eaLnBrk="1" hangingPunct="1">
+              <a:buClr>
+                <a:srgbClr val="C00000"/>
+              </a:buClr>
+            </a:pPr>
+            <a:r>
+              <a:rPr lang="en-GB" sz="5400" b="0" dirty="0" smtClean="0"/>
+              <a:t>Do -</a:t>
+            </a:r>
+          </a:p>
+          <a:p>
+            <a:pPr marL="0" indent="0" eaLnBrk="1" hangingPunct="1">
+              <a:buClr>
+                <a:srgbClr val="C00000"/>
+              </a:buClr>
+            </a:pPr>
+            <a:r>
+              <a:rPr lang="en-GB" sz="5400" b="0" dirty="0" smtClean="0"/>
+              <a:t>Undertake a programming project applying </a:t>
+            </a:r>
+            <a:r>
+              <a:rPr lang="en-GB" sz="5400" b="0" dirty="0"/>
+              <a:t>skills you have </a:t>
+            </a:r>
+            <a:r>
+              <a:rPr lang="en-GB" sz="5400" b="0" dirty="0" smtClean="0"/>
+              <a:t>learnt.</a:t>
+            </a:r>
+            <a:endParaRPr lang="en-GB" sz="6000" b="0" dirty="0" smtClean="0"/>
+          </a:p>
+        </p:txBody>
+      </p:sp>
+      <p:sp>
+        <p:nvSpPr>
+          <p:cNvPr id="32772" name="Content Placeholder 4"/>
+          <p:cNvSpPr txBox="1">
+            <a:spLocks/>
+          </p:cNvSpPr>
+          <p:nvPr/>
+        </p:nvSpPr>
+        <p:spPr bwMode="auto">
+          <a:xfrm>
+            <a:off x="863600" y="1616075"/>
+            <a:ext cx="16438563" cy="1152525"/>
+          </a:xfrm>
+          <a:prstGeom prst="rect">
+            <a:avLst/>
+          </a:prstGeom>
+          <a:noFill/>
+          <a:ln w="9525">
+            <a:noFill/>
+            <a:miter lim="800000"/>
+            <a:headEnd/>
+            <a:tailEnd/>
+          </a:ln>
+        </p:spPr>
+        <p:txBody>
+          <a:bodyPr/>
+          <a:lstStyle/>
+          <a:p>
+            <a:pPr defTabSz="1371600">
+              <a:spcBef>
+                <a:spcPct val="20000"/>
+              </a:spcBef>
+              <a:spcAft>
+                <a:spcPts val="900"/>
+              </a:spcAft>
+              <a:buClr>
+                <a:srgbClr val="C00000"/>
+              </a:buClr>
+              <a:buFont typeface="Wingdings" pitchFamily="2" charset="2"/>
+              <a:buNone/>
+            </a:pPr>
+            <a:r>
+              <a:rPr lang="en-US" sz="6000" b="1" dirty="0" smtClean="0">
+                <a:solidFill>
+                  <a:schemeClr val="accent2"/>
+                </a:solidFill>
+              </a:rPr>
+              <a:t>Course aims</a:t>
+            </a:r>
+            <a:endParaRPr lang="en-GB" sz="6000" b="1" dirty="0">
+              <a:solidFill>
+                <a:schemeClr val="accent2"/>
+              </a:solidFill>
+            </a:endParaRPr>
+          </a:p>
+        </p:txBody>
+      </p:sp>
+    </p:spTree>
+    <p:extLst>
+      <p:ext uri="{BB962C8B-B14F-4D97-AF65-F5344CB8AC3E}">
+        <p14:creationId xmlns:p14="http://schemas.microsoft.com/office/powerpoint/2010/main" val="3581167679"/>
+      </p:ext>
+    </p:extLst>
+  </p:cSld>
+  <p:clrMapOvr>
+    <a:masterClrMapping/>
+  </p:clrMapOvr>
+  <p:transition spd="med">
+    <p:fade/>
+  </p:transition>
+</p:sld>
+</file>
+
 <file path=ppt/slides/slide4.xml><?xml version="1.0" encoding="utf-8"?>
 <p:sld xmlns:a="http://schemas.openxmlformats.org/drawingml/2006/main" xmlns:r="http://schemas.openxmlformats.org/officeDocument/2006/relationships" xmlns:p="http://schemas.openxmlformats.org/presentationml/2006/main">
   <p:cSld>
@@ -7861,10 +7320,12 @@
               <a:buClr>
                 <a:srgbClr val="C00000"/>
               </a:buClr>
+              <a:buFont typeface="Wingdings" pitchFamily="2" charset="2"/>
+              <a:buNone/>
             </a:pPr>
             <a:r>
-              <a:rPr lang="en-GB" sz="5400" b="0" dirty="0" smtClean="0"/>
-              <a:t>Learn about -</a:t>
+              <a:rPr lang="en-GB" sz="6000" b="0" dirty="0" smtClean="0"/>
+              <a:t>Computers are still very new</a:t>
             </a:r>
           </a:p>
           <a:p>
@@ -7872,55 +7333,42 @@
               <a:buClr>
                 <a:srgbClr val="C00000"/>
               </a:buClr>
+              <a:buFont typeface="Wingdings" pitchFamily="2" charset="2"/>
+              <a:buNone/>
             </a:pPr>
             <a:r>
-              <a:rPr lang="en-GB" sz="5400" b="0" dirty="0" smtClean="0"/>
-              <a:t>Algorithms</a:t>
-            </a:r>
-            <a:r>
-              <a:rPr lang="en-GB" sz="5400" b="0" dirty="0"/>
-              <a:t>, functions, lists, loops</a:t>
-            </a:r>
-            <a:r>
-              <a:rPr lang="en-GB" sz="5400" b="0" dirty="0" smtClean="0"/>
-              <a:t>, logic, </a:t>
-            </a:r>
-            <a:r>
-              <a:rPr lang="en-GB" sz="5400" b="0" dirty="0"/>
-              <a:t>reading and writing files, finding bugs, displaying results using graphs, etc. </a:t>
-            </a:r>
-            <a:endParaRPr lang="en-GB" sz="5400" b="0" dirty="0" smtClean="0"/>
+              <a:rPr lang="en-GB" sz="6000" b="0" dirty="0" smtClean="0"/>
+              <a:t>At the end 19</a:t>
+            </a:r>
+            <a:r>
+              <a:rPr lang="en-GB" sz="6000" b="0" baseline="30000" dirty="0" smtClean="0"/>
+              <a:t>th</a:t>
+            </a:r>
+            <a:r>
+              <a:rPr lang="en-GB" sz="6000" b="0" dirty="0" smtClean="0"/>
+              <a:t> century machines were developed to automate arithmetic for book keeping and the processing of census data.</a:t>
+            </a:r>
           </a:p>
           <a:p>
             <a:pPr marL="0" indent="0" eaLnBrk="1" hangingPunct="1">
               <a:buClr>
                 <a:srgbClr val="C00000"/>
               </a:buClr>
+              <a:buFont typeface="Wingdings" pitchFamily="2" charset="2"/>
+              <a:buNone/>
             </a:pPr>
             <a:r>
-              <a:rPr lang="en-GB" sz="5400" b="0" dirty="0" smtClean="0"/>
-              <a:t>Do -</a:t>
-            </a:r>
-          </a:p>
-          <a:p>
-            <a:pPr marL="0" indent="0" eaLnBrk="1" hangingPunct="1">
-              <a:buClr>
-                <a:srgbClr val="C00000"/>
-              </a:buClr>
-            </a:pPr>
-            <a:r>
-              <a:rPr lang="en-GB" sz="5400" b="0" dirty="0" smtClean="0"/>
-              <a:t>Undertake a programming project applying </a:t>
-            </a:r>
-            <a:r>
-              <a:rPr lang="en-GB" sz="5400" b="0" dirty="0"/>
-              <a:t>skills you have </a:t>
-            </a:r>
-            <a:r>
-              <a:rPr lang="en-GB" sz="5400" b="0" dirty="0" smtClean="0"/>
-              <a:t>learnt.</a:t>
-            </a:r>
-            <a:endParaRPr lang="en-GB" sz="6000" b="0" dirty="0" smtClean="0"/>
+              <a:rPr lang="en-GB" sz="6000" b="0" dirty="0" smtClean="0"/>
+              <a:t>By the middle of the 20</a:t>
+            </a:r>
+            <a:r>
+              <a:rPr lang="en-GB" sz="6000" b="0" baseline="30000" dirty="0" smtClean="0"/>
+              <a:t>th</a:t>
+            </a:r>
+            <a:r>
+              <a:rPr lang="en-GB" sz="6000" b="0" dirty="0" smtClean="0"/>
+              <a:t> century digital computers were solving business problems.</a:t>
+            </a:r>
           </a:p>
         </p:txBody>
       </p:sp>
@@ -7971,7 +7419,7 @@
                   <a:schemeClr val="accent2"/>
                 </a:solidFill>
               </a:rPr>
-              <a:t>Course aims</a:t>
+              <a:t>The pre-history of programming</a:t>
             </a:r>
             <a:endParaRPr lang="en-GB" sz="6000" b="1" dirty="0">
               <a:solidFill>
@@ -7982,11 +7430,6 @@
         </p:txBody>
       </p:sp>
     </p:spTree>
-    <p:extLst>
-      <p:ext uri="{BB962C8B-B14F-4D97-AF65-F5344CB8AC3E}">
-        <p14:creationId xmlns:p14="http://schemas.microsoft.com/office/powerpoint/2010/main" val="3581167679"/>
-      </p:ext>
-    </p:extLst>
   </p:cSld>
   <p:clrMapOvr>
     <a:masterClrMapping/>
@@ -8060,8 +7503,8 @@
         </p:nvSpPr>
         <p:spPr>
           <a:xfrm>
-            <a:off x="914400" y="2768600"/>
-            <a:ext cx="16438563" cy="6983413"/>
+            <a:off x="914400" y="2768601"/>
+            <a:ext cx="16438563" cy="3023766"/>
           </a:xfrm>
         </p:spPr>
         <p:txBody>
@@ -8077,7 +7520,15 @@
             </a:pPr>
             <a:r>
               <a:rPr lang="en-GB" sz="6000" b="0" dirty="0" smtClean="0"/>
-              <a:t>Computers are still very new</a:t>
+              <a:t>Towards the end of the 20</a:t>
+            </a:r>
+            <a:r>
+              <a:rPr lang="en-GB" sz="6000" b="0" baseline="30000" dirty="0" smtClean="0"/>
+              <a:t>th</a:t>
+            </a:r>
+            <a:r>
+              <a:rPr lang="en-GB" sz="6000" b="0" dirty="0" smtClean="0"/>
+              <a:t> century almost everything became digital – TV, music, communication, archiving.</a:t>
             </a:r>
           </a:p>
           <a:p>
@@ -8088,39 +7539,7 @@
               <a:buFont typeface="Wingdings" pitchFamily="2" charset="2"/>
               <a:buNone/>
             </a:pPr>
-            <a:r>
-              <a:rPr lang="en-GB" sz="6000" b="0" dirty="0" smtClean="0"/>
-              <a:t>At the end 19</a:t>
-            </a:r>
-            <a:r>
-              <a:rPr lang="en-GB" sz="6000" b="0" baseline="30000" dirty="0" smtClean="0"/>
-              <a:t>th</a:t>
-            </a:r>
-            <a:r>
-              <a:rPr lang="en-GB" sz="6000" b="0" dirty="0" smtClean="0"/>
-              <a:t> century machines were developed to automate arithmetic for book keeping and the processing of census data.</a:t>
-            </a:r>
-          </a:p>
-          <a:p>
-            <a:pPr marL="0" indent="0" eaLnBrk="1" hangingPunct="1">
-              <a:buClr>
-                <a:srgbClr val="C00000"/>
-              </a:buClr>
-              <a:buFont typeface="Wingdings" pitchFamily="2" charset="2"/>
-              <a:buNone/>
-            </a:pPr>
-            <a:r>
-              <a:rPr lang="en-GB" sz="6000" b="0" dirty="0" smtClean="0"/>
-              <a:t>By the middle of the 20</a:t>
-            </a:r>
-            <a:r>
-              <a:rPr lang="en-GB" sz="6000" b="0" baseline="30000" dirty="0" smtClean="0"/>
-              <a:t>th</a:t>
-            </a:r>
-            <a:r>
-              <a:rPr lang="en-GB" sz="6000" b="0" dirty="0" smtClean="0"/>
-              <a:t> century digital computers were solving business problems.</a:t>
-            </a:r>
+            <a:endParaRPr lang="en-GB" sz="6000" b="0" dirty="0" smtClean="0"/>
           </a:p>
         </p:txBody>
       </p:sp>
@@ -8171,7 +7590,7 @@
                   <a:schemeClr val="accent2"/>
                 </a:solidFill>
               </a:rPr>
-              <a:t>The pre-history of programming</a:t>
+              <a:t>Computers everywhere</a:t>
             </a:r>
             <a:endParaRPr lang="en-GB" sz="6000" b="1" dirty="0">
               <a:solidFill>
@@ -8181,7 +7600,36 @@
           </a:p>
         </p:txBody>
       </p:sp>
+      <p:pic>
+        <p:nvPicPr>
+          <p:cNvPr id="3" name="Picture 2"/>
+          <p:cNvPicPr>
+            <a:picLocks noChangeAspect="1"/>
+          </p:cNvPicPr>
+          <p:nvPr/>
+        </p:nvPicPr>
+        <p:blipFill>
+          <a:blip r:embed="rId3"/>
+          <a:stretch>
+            <a:fillRect/>
+          </a:stretch>
+        </p:blipFill>
+        <p:spPr>
+          <a:xfrm>
+            <a:off x="927179" y="5792366"/>
+            <a:ext cx="11097141" cy="4337973"/>
+          </a:xfrm>
+          <a:prstGeom prst="rect">
+            <a:avLst/>
+          </a:prstGeom>
+        </p:spPr>
+      </p:pic>
     </p:spTree>
+    <p:extLst>
+      <p:ext uri="{BB962C8B-B14F-4D97-AF65-F5344CB8AC3E}">
+        <p14:creationId xmlns:p14="http://schemas.microsoft.com/office/powerpoint/2010/main" val="2934377801"/>
+      </p:ext>
+    </p:extLst>
   </p:cSld>
   <p:clrMapOvr>
     <a:masterClrMapping/>
@@ -8245,58 +7693,6 @@
       </p:sp>
       <p:sp>
         <p:nvSpPr>
-          <p:cNvPr id="32771" name="Content Placeholder 4"/>
-          <p:cNvSpPr>
-            <a:spLocks noGrp="1"/>
-          </p:cNvSpPr>
-          <p:nvPr>
-            <p:ph idx="4294967295"/>
-          </p:nvPr>
-        </p:nvSpPr>
-        <p:spPr>
-          <a:xfrm>
-            <a:off x="914400" y="2768601"/>
-            <a:ext cx="16438563" cy="3023766"/>
-          </a:xfrm>
-        </p:spPr>
-        <p:txBody>
-          <a:bodyPr/>
-          <a:lstStyle/>
-          <a:p>
-            <a:pPr marL="0" indent="0" eaLnBrk="1" hangingPunct="1">
-              <a:buClr>
-                <a:srgbClr val="C00000"/>
-              </a:buClr>
-              <a:buFont typeface="Wingdings" pitchFamily="2" charset="2"/>
-              <a:buNone/>
-            </a:pPr>
-            <a:r>
-              <a:rPr lang="en-GB" sz="6000" b="0" dirty="0" smtClean="0"/>
-              <a:t>Towards the end of the 20</a:t>
-            </a:r>
-            <a:r>
-              <a:rPr lang="en-GB" sz="6000" b="0" baseline="30000" dirty="0" smtClean="0"/>
-              <a:t>th</a:t>
-            </a:r>
-            <a:r>
-              <a:rPr lang="en-GB" sz="6000" b="0" dirty="0" smtClean="0"/>
-              <a:t> century almost everything became digital – TV, music, communication, archiving.</a:t>
-            </a:r>
-          </a:p>
-          <a:p>
-            <a:pPr marL="0" indent="0" eaLnBrk="1" hangingPunct="1">
-              <a:buClr>
-                <a:srgbClr val="C00000"/>
-              </a:buClr>
-              <a:buFont typeface="Wingdings" pitchFamily="2" charset="2"/>
-              <a:buNone/>
-            </a:pPr>
-            <a:endParaRPr lang="en-GB" sz="6000" b="0" dirty="0" smtClean="0"/>
-          </a:p>
-        </p:txBody>
-      </p:sp>
-      <p:sp>
-        <p:nvSpPr>
           <p:cNvPr id="32772" name="Content Placeholder 4"/>
           <p:cNvSpPr txBox="1">
             <a:spLocks/>
@@ -8342,7 +7738,7 @@
                   <a:schemeClr val="accent2"/>
                 </a:solidFill>
               </a:rPr>
-              <a:t>Computers everywhere</a:t>
+              <a:t>Data on everything</a:t>
             </a:r>
             <a:endParaRPr lang="en-GB" sz="6000" b="1" dirty="0">
               <a:solidFill>
@@ -8354,7 +7750,7 @@
       </p:sp>
       <p:pic>
         <p:nvPicPr>
-          <p:cNvPr id="3" name="Picture 2"/>
+          <p:cNvPr id="4" name="Picture 3"/>
           <p:cNvPicPr>
             <a:picLocks noChangeAspect="1"/>
           </p:cNvPicPr>
@@ -8368,8 +7764,62 @@
         </p:blipFill>
         <p:spPr>
           <a:xfrm>
-            <a:off x="927179" y="5792366"/>
-            <a:ext cx="11097141" cy="4337973"/>
+            <a:off x="503040" y="5901905"/>
+            <a:ext cx="8773132" cy="3887862"/>
+          </a:xfrm>
+          <a:prstGeom prst="rect">
+            <a:avLst/>
+          </a:prstGeom>
+        </p:spPr>
+      </p:pic>
+      <p:pic>
+        <p:nvPicPr>
+          <p:cNvPr id="5" name="Picture 4"/>
+          <p:cNvPicPr>
+            <a:picLocks noChangeAspect="1"/>
+          </p:cNvPicPr>
+          <p:nvPr/>
+        </p:nvPicPr>
+        <p:blipFill>
+          <a:blip r:embed="rId4">
+            <a:extLst>
+              <a:ext uri="{28A0092B-C50C-407E-A947-70E740481C1C}">
+                <a14:useLocalDpi xmlns:a14="http://schemas.microsoft.com/office/drawing/2010/main" val="0"/>
+              </a:ext>
+            </a:extLst>
+          </a:blip>
+          <a:stretch>
+            <a:fillRect/>
+          </a:stretch>
+        </p:blipFill>
+        <p:spPr>
+          <a:xfrm>
+            <a:off x="9864079" y="2801544"/>
+            <a:ext cx="8158907" cy="6159174"/>
+          </a:xfrm>
+          <a:prstGeom prst="rect">
+            <a:avLst/>
+          </a:prstGeom>
+        </p:spPr>
+      </p:pic>
+      <p:pic>
+        <p:nvPicPr>
+          <p:cNvPr id="6" name="Picture 5"/>
+          <p:cNvPicPr>
+            <a:picLocks noChangeAspect="1"/>
+          </p:cNvPicPr>
+          <p:nvPr/>
+        </p:nvPicPr>
+        <p:blipFill>
+          <a:blip r:embed="rId5"/>
+          <a:stretch>
+            <a:fillRect/>
+          </a:stretch>
+        </p:blipFill>
+        <p:spPr>
+          <a:xfrm>
+            <a:off x="503040" y="2768600"/>
+            <a:ext cx="9094700" cy="2644800"/>
           </a:xfrm>
           <a:prstGeom prst="rect">
             <a:avLst/>
@@ -8379,7 +7829,7 @@
     </p:spTree>
     <p:extLst>
       <p:ext uri="{BB962C8B-B14F-4D97-AF65-F5344CB8AC3E}">
-        <p14:creationId xmlns:p14="http://schemas.microsoft.com/office/powerpoint/2010/main" val="2934377801"/>
+        <p14:creationId xmlns:p14="http://schemas.microsoft.com/office/powerpoint/2010/main" val="1889888736"/>
       </p:ext>
     </p:extLst>
   </p:cSld>
@@ -8445,6 +7895,92 @@
       </p:sp>
       <p:sp>
         <p:nvSpPr>
+          <p:cNvPr id="32771" name="Content Placeholder 4"/>
+          <p:cNvSpPr>
+            <a:spLocks noGrp="1"/>
+          </p:cNvSpPr>
+          <p:nvPr>
+            <p:ph idx="4294967295"/>
+          </p:nvPr>
+        </p:nvSpPr>
+        <p:spPr>
+          <a:xfrm>
+            <a:off x="914400" y="2768600"/>
+            <a:ext cx="16438563" cy="6983413"/>
+          </a:xfrm>
+        </p:spPr>
+        <p:txBody>
+          <a:bodyPr/>
+          <a:lstStyle/>
+          <a:p>
+            <a:pPr marL="0" indent="0" eaLnBrk="1" hangingPunct="1">
+              <a:buClr>
+                <a:srgbClr val="C00000"/>
+              </a:buClr>
+              <a:buFont typeface="Wingdings" pitchFamily="2" charset="2"/>
+              <a:buNone/>
+            </a:pPr>
+            <a:r>
+              <a:rPr lang="en-GB" sz="6000" b="0" dirty="0" smtClean="0"/>
+              <a:t>Building software</a:t>
+            </a:r>
+          </a:p>
+          <a:p>
+            <a:pPr marL="0" indent="0" eaLnBrk="1" hangingPunct="1">
+              <a:buClr>
+                <a:srgbClr val="C00000"/>
+              </a:buClr>
+              <a:buFont typeface="Wingdings" pitchFamily="2" charset="2"/>
+              <a:buNone/>
+            </a:pPr>
+            <a:r>
+              <a:rPr lang="en-GB" sz="6000" b="0" dirty="0" smtClean="0"/>
+              <a:t>Solving, or modelling, problems</a:t>
+            </a:r>
+          </a:p>
+          <a:p>
+            <a:pPr marL="0" indent="0" eaLnBrk="1" hangingPunct="1">
+              <a:buClr>
+                <a:srgbClr val="C00000"/>
+              </a:buClr>
+              <a:buFont typeface="Wingdings" pitchFamily="2" charset="2"/>
+              <a:buNone/>
+            </a:pPr>
+            <a:r>
+              <a:rPr lang="en-GB" sz="6000" b="0" dirty="0" smtClean="0"/>
+              <a:t>Manipulating and moving data</a:t>
+            </a:r>
+          </a:p>
+          <a:p>
+            <a:pPr marL="0" indent="0" eaLnBrk="1" hangingPunct="1">
+              <a:buClr>
+                <a:srgbClr val="C00000"/>
+              </a:buClr>
+              <a:buFont typeface="Wingdings" pitchFamily="2" charset="2"/>
+              <a:buNone/>
+            </a:pPr>
+            <a:r>
+              <a:rPr lang="en-GB" sz="6000" b="0" dirty="0" smtClean="0"/>
+              <a:t>Gluing programs together</a:t>
+            </a:r>
+          </a:p>
+          <a:p>
+            <a:pPr marL="0" indent="0" eaLnBrk="1" hangingPunct="1">
+              <a:buClr>
+                <a:srgbClr val="C00000"/>
+              </a:buClr>
+              <a:buFont typeface="Wingdings" pitchFamily="2" charset="2"/>
+              <a:buNone/>
+            </a:pPr>
+            <a:r>
+              <a:rPr lang="en-GB" sz="6000" b="0" dirty="0" smtClean="0"/>
+              <a:t>Adding features to software </a:t>
+            </a:r>
+          </a:p>
+        </p:txBody>
+      </p:sp>
+      <p:sp>
+        <p:nvSpPr>
           <p:cNvPr id="32772" name="Content Placeholder 4"/>
           <p:cNvSpPr txBox="1">
             <a:spLocks/>
@@ -8490,7 +8026,7 @@
                   <a:schemeClr val="accent2"/>
                 </a:solidFill>
               </a:rPr>
-              <a:t>Data on everything</a:t>
+              <a:t>Uses for programming </a:t>
             </a:r>
             <a:endParaRPr lang="en-GB" sz="6000" b="1" dirty="0">
               <a:solidFill>
@@ -8500,88 +8036,10 @@
           </a:p>
         </p:txBody>
       </p:sp>
-      <p:pic>
-        <p:nvPicPr>
-          <p:cNvPr id="4" name="Picture 3"/>
-          <p:cNvPicPr>
-            <a:picLocks noChangeAspect="1"/>
-          </p:cNvPicPr>
-          <p:nvPr/>
-        </p:nvPicPr>
-        <p:blipFill>
-          <a:blip r:embed="rId3"/>
-          <a:stretch>
-            <a:fillRect/>
-          </a:stretch>
-        </p:blipFill>
-        <p:spPr>
-          <a:xfrm>
-            <a:off x="503040" y="5901905"/>
-            <a:ext cx="8773132" cy="3887862"/>
-          </a:xfrm>
-          <a:prstGeom prst="rect">
-            <a:avLst/>
-          </a:prstGeom>
-        </p:spPr>
-      </p:pic>
-      <p:pic>
-        <p:nvPicPr>
-          <p:cNvPr id="5" name="Picture 4"/>
-          <p:cNvPicPr>
-            <a:picLocks noChangeAspect="1"/>
-          </p:cNvPicPr>
-          <p:nvPr/>
-        </p:nvPicPr>
-        <p:blipFill>
-          <a:blip r:embed="rId4">
-            <a:extLst>
-              <a:ext uri="{28A0092B-C50C-407E-A947-70E740481C1C}">
-                <a14:useLocalDpi xmlns:a14="http://schemas.microsoft.com/office/drawing/2010/main" val="0"/>
-              </a:ext>
-            </a:extLst>
-          </a:blip>
-          <a:stretch>
-            <a:fillRect/>
-          </a:stretch>
-        </p:blipFill>
-        <p:spPr>
-          <a:xfrm>
-            <a:off x="9864079" y="2801544"/>
-            <a:ext cx="8158907" cy="6159174"/>
-          </a:xfrm>
-          <a:prstGeom prst="rect">
-            <a:avLst/>
-          </a:prstGeom>
-        </p:spPr>
-      </p:pic>
-      <p:pic>
-        <p:nvPicPr>
-          <p:cNvPr id="6" name="Picture 5"/>
-          <p:cNvPicPr>
-            <a:picLocks noChangeAspect="1"/>
-          </p:cNvPicPr>
-          <p:nvPr/>
-        </p:nvPicPr>
-        <p:blipFill>
-          <a:blip r:embed="rId5"/>
-          <a:stretch>
-            <a:fillRect/>
-          </a:stretch>
-        </p:blipFill>
-        <p:spPr>
-          <a:xfrm>
-            <a:off x="503040" y="2768600"/>
-            <a:ext cx="9094700" cy="2644800"/>
-          </a:xfrm>
-          <a:prstGeom prst="rect">
-            <a:avLst/>
-          </a:prstGeom>
-        </p:spPr>
-      </p:pic>
     </p:spTree>
     <p:extLst>
       <p:ext uri="{BB962C8B-B14F-4D97-AF65-F5344CB8AC3E}">
-        <p14:creationId xmlns:p14="http://schemas.microsoft.com/office/powerpoint/2010/main" val="1889888736"/>
+        <p14:creationId xmlns:p14="http://schemas.microsoft.com/office/powerpoint/2010/main" val="3885653648"/>
       </p:ext>
     </p:extLst>
   </p:cSld>
@@ -8647,92 +8105,6 @@
       </p:sp>
       <p:sp>
         <p:nvSpPr>
-          <p:cNvPr id="32771" name="Content Placeholder 4"/>
-          <p:cNvSpPr>
-            <a:spLocks noGrp="1"/>
-          </p:cNvSpPr>
-          <p:nvPr>
-            <p:ph idx="4294967295"/>
-          </p:nvPr>
-        </p:nvSpPr>
-        <p:spPr>
-          <a:xfrm>
-            <a:off x="914400" y="2768600"/>
-            <a:ext cx="16438563" cy="6983413"/>
-          </a:xfrm>
-        </p:spPr>
-        <p:txBody>
-          <a:bodyPr/>
-          <a:lstStyle/>
-          <a:p>
-            <a:pPr marL="0" indent="0" eaLnBrk="1" hangingPunct="1">
-              <a:buClr>
-                <a:srgbClr val="C00000"/>
-              </a:buClr>
-              <a:buFont typeface="Wingdings" pitchFamily="2" charset="2"/>
-              <a:buNone/>
-            </a:pPr>
-            <a:r>
-              <a:rPr lang="en-GB" sz="6000" b="0" dirty="0" smtClean="0"/>
-              <a:t>Building software</a:t>
-            </a:r>
-          </a:p>
-          <a:p>
-            <a:pPr marL="0" indent="0" eaLnBrk="1" hangingPunct="1">
-              <a:buClr>
-                <a:srgbClr val="C00000"/>
-              </a:buClr>
-              <a:buFont typeface="Wingdings" pitchFamily="2" charset="2"/>
-              <a:buNone/>
-            </a:pPr>
-            <a:r>
-              <a:rPr lang="en-GB" sz="6000" b="0" dirty="0" smtClean="0"/>
-              <a:t>Solving, or modelling, problems</a:t>
-            </a:r>
-          </a:p>
-          <a:p>
-            <a:pPr marL="0" indent="0" eaLnBrk="1" hangingPunct="1">
-              <a:buClr>
-                <a:srgbClr val="C00000"/>
-              </a:buClr>
-              <a:buFont typeface="Wingdings" pitchFamily="2" charset="2"/>
-              <a:buNone/>
-            </a:pPr>
-            <a:r>
-              <a:rPr lang="en-GB" sz="6000" b="0" dirty="0" smtClean="0"/>
-              <a:t>Manipulating and moving data</a:t>
-            </a:r>
-          </a:p>
-          <a:p>
-            <a:pPr marL="0" indent="0" eaLnBrk="1" hangingPunct="1">
-              <a:buClr>
-                <a:srgbClr val="C00000"/>
-              </a:buClr>
-              <a:buFont typeface="Wingdings" pitchFamily="2" charset="2"/>
-              <a:buNone/>
-            </a:pPr>
-            <a:r>
-              <a:rPr lang="en-GB" sz="6000" b="0" dirty="0" smtClean="0"/>
-              <a:t>Gluing programs together</a:t>
-            </a:r>
-          </a:p>
-          <a:p>
-            <a:pPr marL="0" indent="0" eaLnBrk="1" hangingPunct="1">
-              <a:buClr>
-                <a:srgbClr val="C00000"/>
-              </a:buClr>
-              <a:buFont typeface="Wingdings" pitchFamily="2" charset="2"/>
-              <a:buNone/>
-            </a:pPr>
-            <a:r>
-              <a:rPr lang="en-GB" sz="6000" b="0" dirty="0" smtClean="0"/>
-              <a:t>Adding features to software </a:t>
-            </a:r>
-          </a:p>
-        </p:txBody>
-      </p:sp>
-      <p:sp>
-        <p:nvSpPr>
           <p:cNvPr id="32772" name="Content Placeholder 4"/>
           <p:cNvSpPr txBox="1">
             <a:spLocks/>
@@ -8778,7 +8150,7 @@
                   <a:schemeClr val="accent2"/>
                 </a:solidFill>
               </a:rPr>
-              <a:t>Uses for programming </a:t>
+              <a:t>Examples</a:t>
             </a:r>
             <a:endParaRPr lang="en-GB" sz="6000" b="1" dirty="0">
               <a:solidFill>
@@ -8788,10 +8160,87 @@
           </a:p>
         </p:txBody>
       </p:sp>
+      <p:pic>
+        <p:nvPicPr>
+          <p:cNvPr id="4" name="Picture 3"/>
+          <p:cNvPicPr>
+            <a:picLocks noChangeAspect="1"/>
+          </p:cNvPicPr>
+          <p:nvPr/>
+        </p:nvPicPr>
+        <p:blipFill>
+          <a:blip r:embed="rId3"/>
+          <a:stretch>
+            <a:fillRect/>
+          </a:stretch>
+        </p:blipFill>
+        <p:spPr>
+          <a:xfrm>
+            <a:off x="503040" y="3241411"/>
+            <a:ext cx="10095680" cy="6677248"/>
+          </a:xfrm>
+          <a:prstGeom prst="rect">
+            <a:avLst/>
+          </a:prstGeom>
+        </p:spPr>
+      </p:pic>
+      <p:pic>
+        <p:nvPicPr>
+          <p:cNvPr id="3" name="Content Placeholder 2"/>
+          <p:cNvPicPr>
+            <a:picLocks noGrp="1" noChangeAspect="1"/>
+          </p:cNvPicPr>
+          <p:nvPr>
+            <p:ph idx="4294967295"/>
+          </p:nvPr>
+        </p:nvPicPr>
+        <p:blipFill>
+          <a:blip r:embed="rId4">
+            <a:extLst>
+              <a:ext uri="{28A0092B-C50C-407E-A947-70E740481C1C}">
+                <a14:useLocalDpi xmlns:a14="http://schemas.microsoft.com/office/drawing/2010/main" val="0"/>
+              </a:ext>
+            </a:extLst>
+          </a:blip>
+          <a:stretch>
+            <a:fillRect/>
+          </a:stretch>
+        </p:blipFill>
+        <p:spPr>
+          <a:xfrm>
+            <a:off x="7199784" y="1637863"/>
+            <a:ext cx="3149978" cy="4861077"/>
+          </a:xfrm>
+        </p:spPr>
+      </p:pic>
+      <p:pic>
+        <p:nvPicPr>
+          <p:cNvPr id="5" name="Picture 4"/>
+          <p:cNvPicPr>
+            <a:picLocks noChangeAspect="1"/>
+          </p:cNvPicPr>
+          <p:nvPr/>
+        </p:nvPicPr>
+        <p:blipFill>
+          <a:blip r:embed="rId5"/>
+          <a:stretch>
+            <a:fillRect/>
+          </a:stretch>
+        </p:blipFill>
+        <p:spPr>
+          <a:xfrm>
+            <a:off x="11304240" y="967830"/>
+            <a:ext cx="6373511" cy="3013418"/>
+          </a:xfrm>
+          <a:prstGeom prst="rect">
+            <a:avLst/>
+          </a:prstGeom>
+        </p:spPr>
+      </p:pic>
     </p:spTree>
     <p:extLst>
       <p:ext uri="{BB962C8B-B14F-4D97-AF65-F5344CB8AC3E}">
-        <p14:creationId xmlns:p14="http://schemas.microsoft.com/office/powerpoint/2010/main" val="3885653648"/>
+        <p14:creationId xmlns:p14="http://schemas.microsoft.com/office/powerpoint/2010/main" val="3998431133"/>
       </p:ext>
     </p:extLst>
   </p:cSld>
@@ -8849,7 +8298,7 @@
             </a:pPr>
             <a:r>
               <a:rPr lang="en-US" dirty="0" smtClean="0"/>
-              <a:t>Why program?</a:t>
+              <a:t>After this course</a:t>
             </a:r>
             <a:endParaRPr lang="en-US" dirty="0"/>
           </a:p>
@@ -8857,39 +8306,25 @@
       </p:sp>
       <p:sp>
         <p:nvSpPr>
-          <p:cNvPr id="32772" name="Content Placeholder 4"/>
-          <p:cNvSpPr txBox="1">
-            <a:spLocks/>
-          </p:cNvSpPr>
-          <p:nvPr/>
-        </p:nvSpPr>
-        <p:spPr bwMode="auto">
-          <a:xfrm>
-            <a:off x="863600" y="1616075"/>
-            <a:ext cx="16438563" cy="1152525"/>
-          </a:xfrm>
-          <a:prstGeom prst="rect">
-            <a:avLst/>
-          </a:prstGeom>
-          <a:noFill/>
-          <a:ln w="9525">
-            <a:noFill/>
-            <a:miter lim="800000"/>
-            <a:headEnd/>
-            <a:tailEnd/>
-          </a:ln>
+          <p:cNvPr id="32771" name="Content Placeholder 4"/>
+          <p:cNvSpPr>
+            <a:spLocks noGrp="1"/>
+          </p:cNvSpPr>
+          <p:nvPr>
+            <p:ph idx="4294967295"/>
+          </p:nvPr>
+        </p:nvSpPr>
+        <p:spPr>
+          <a:xfrm>
+            <a:off x="940565" y="1616075"/>
+            <a:ext cx="16438563" cy="8280747"/>
+          </a:xfrm>
         </p:spPr>
         <p:txBody>
           <a:bodyPr/>
           <a:lstStyle/>
           <a:p>
-            <a:pPr defTabSz="1371600">
-              <a:spcBef>
-                <a:spcPct val="20000"/>
-              </a:spcBef>
-              <a:spcAft>
-                <a:spcPts val="900"/>
-              </a:spcAft>
+            <a:pPr marL="0" indent="0" eaLnBrk="1" hangingPunct="1">
               <a:buClr>
                 <a:srgbClr val="C00000"/>
               </a:buClr>
@@ -8897,102 +8332,79 @@
               <a:buNone/>
             </a:pPr>
             <a:r>
-              <a:rPr lang="en-US" sz="6000" b="1" dirty="0" smtClean="0">
-                <a:solidFill>
-                  <a:schemeClr val="accent2"/>
-                </a:solidFill>
-              </a:rPr>
-              <a:t>Examples</a:t>
-            </a:r>
-            <a:endParaRPr lang="en-GB" sz="6000" b="1" dirty="0">
-              <a:solidFill>
-                <a:schemeClr val="accent2"/>
-              </a:solidFill>
-            </a:endParaRPr>
-          </a:p>
-        </p:txBody>
-      </p:sp>
-      <p:pic>
-        <p:nvPicPr>
-          <p:cNvPr id="4" name="Picture 3"/>
-          <p:cNvPicPr>
-            <a:picLocks noChangeAspect="1"/>
-          </p:cNvPicPr>
-          <p:nvPr/>
-        </p:nvPicPr>
-        <p:blipFill>
-          <a:blip r:embed="rId3"/>
-          <a:stretch>
-            <a:fillRect/>
-          </a:stretch>
-        </p:blipFill>
-        <p:spPr>
-          <a:xfrm>
-            <a:off x="503040" y="3241411"/>
-            <a:ext cx="10095680" cy="6677248"/>
-          </a:xfrm>
-          <a:prstGeom prst="rect">
-            <a:avLst/>
-          </a:prstGeom>
-        </p:spPr>
-      </p:pic>
-      <p:pic>
-        <p:nvPicPr>
-          <p:cNvPr id="3" name="Content Placeholder 2"/>
-          <p:cNvPicPr>
-            <a:picLocks noGrp="1" noChangeAspect="1"/>
-          </p:cNvPicPr>
-          <p:nvPr>
-            <p:ph idx="4294967295"/>
-          </p:nvPr>
-        </p:nvPicPr>
-        <p:blipFill>
-          <a:blip r:embed="rId4">
-            <a:extLst>
-              <a:ext uri="{28A0092B-C50C-407E-A947-70E740481C1C}">
-                <a14:useLocalDpi xmlns:a14="http://schemas.microsoft.com/office/drawing/2010/main" val="0"/>
-              </a:ext>
-            </a:extLst>
-          </a:blip>
-          <a:stretch>
-            <a:fillRect/>
-          </a:stretch>
-        </p:blipFill>
-        <p:spPr>
-          <a:xfrm>
-            <a:off x="7199784" y="1637863"/>
-            <a:ext cx="3149978" cy="4861077"/>
-          </a:xfrm>
-        </p:spPr>
-      </p:pic>
-      <p:pic>
-        <p:nvPicPr>
-          <p:cNvPr id="5" name="Picture 4"/>
-          <p:cNvPicPr>
-            <a:picLocks noChangeAspect="1"/>
-          </p:cNvPicPr>
-          <p:nvPr/>
-        </p:nvPicPr>
-        <p:blipFill>
-          <a:blip r:embed="rId5"/>
-          <a:stretch>
-            <a:fillRect/>
-          </a:stretch>
-        </p:blipFill>
-        <p:spPr>
-          <a:xfrm>
-            <a:off x="11304240" y="967830"/>
-            <a:ext cx="6373511" cy="3013418"/>
-          </a:xfrm>
-          <a:prstGeom prst="rect">
-            <a:avLst/>
-          </a:prstGeom>
-        </p:spPr>
-      </p:pic>
+              <a:rPr lang="en-GB" sz="6000" b="0" dirty="0" smtClean="0"/>
+              <a:t>Working with research and experiment data</a:t>
+            </a:r>
+          </a:p>
+          <a:p>
+            <a:pPr marL="0" indent="0" eaLnBrk="1" hangingPunct="1">
+              <a:buClr>
+                <a:srgbClr val="C00000"/>
+              </a:buClr>
+              <a:buFont typeface="Wingdings" pitchFamily="2" charset="2"/>
+              <a:buNone/>
+            </a:pPr>
+            <a:r>
+              <a:rPr lang="en-GB" sz="6000" b="0" dirty="0" smtClean="0"/>
+              <a:t>Automating tasks</a:t>
+            </a:r>
+          </a:p>
+          <a:p>
+            <a:pPr marL="0" indent="0" eaLnBrk="1" hangingPunct="1">
+              <a:buClr>
+                <a:srgbClr val="C00000"/>
+              </a:buClr>
+              <a:buFont typeface="Wingdings" pitchFamily="2" charset="2"/>
+              <a:buNone/>
+            </a:pPr>
+            <a:endParaRPr lang="en-GB" sz="6000" b="0" dirty="0"/>
+          </a:p>
+          <a:p>
+            <a:pPr marL="0" indent="0" eaLnBrk="1" hangingPunct="1">
+              <a:buClr>
+                <a:srgbClr val="C00000"/>
+              </a:buClr>
+              <a:buFont typeface="Wingdings" pitchFamily="2" charset="2"/>
+              <a:buNone/>
+            </a:pPr>
+            <a:r>
+              <a:rPr lang="en-GB" sz="6000" b="0" dirty="0" smtClean="0"/>
+              <a:t>Learn more Python – Data analysis, ML, Image processing, GIS…</a:t>
+            </a:r>
+          </a:p>
+          <a:p>
+            <a:pPr marL="0" indent="0" eaLnBrk="1" hangingPunct="1">
+              <a:buClr>
+                <a:srgbClr val="C00000"/>
+              </a:buClr>
+              <a:buFont typeface="Wingdings" pitchFamily="2" charset="2"/>
+              <a:buNone/>
+            </a:pPr>
+            <a:r>
+              <a:rPr lang="en-GB" sz="6000" b="0" dirty="0" smtClean="0"/>
+              <a:t>Learn other programming languages</a:t>
+            </a:r>
+          </a:p>
+          <a:p>
+            <a:pPr marL="0" indent="0" eaLnBrk="1" hangingPunct="1">
+              <a:buClr>
+                <a:srgbClr val="C00000"/>
+              </a:buClr>
+              <a:buFont typeface="Wingdings" pitchFamily="2" charset="2"/>
+              <a:buNone/>
+            </a:pPr>
+            <a:r>
+              <a:rPr lang="en-GB" sz="6000" b="0" dirty="0" smtClean="0"/>
+              <a:t>Teach it forward – help a friend learn Python</a:t>
+            </a:r>
+            <a:endParaRPr lang="en-GB" sz="6000" b="0" dirty="0"/>
+          </a:p>
+        </p:txBody>
+      </p:sp>
     </p:spTree>
     <p:extLst>
       <p:ext uri="{BB962C8B-B14F-4D97-AF65-F5344CB8AC3E}">
-        <p14:creationId xmlns:p14="http://schemas.microsoft.com/office/powerpoint/2010/main" val="3998431133"/>
+        <p14:creationId xmlns:p14="http://schemas.microsoft.com/office/powerpoint/2010/main" val="4084858026"/>
       </p:ext>
     </p:extLst>
   </p:cSld>
